--- a/Presentation.pptx
+++ b/Presentation.pptx
@@ -4951,7 +4951,7 @@
           </a:lstStyle>
           <a:p>
             <a:r>
-              <a:rPr lang="en-GB"/>
+              <a:rPr lang="en-GB" dirty="0"/>
               <a:t>Click icon to add picture</a:t>
             </a:r>
             <a:endParaRPr lang="en-US" dirty="0"/>
@@ -6972,7 +6972,19 @@
           <a:p>
             <a:r>
               <a:rPr lang="en-US" dirty="0"/>
-              <a:t>Measure the water </a:t>
+              <a:t>Measure the water assets using satellite across a given area (Tasmania) </a:t>
+            </a:r>
+          </a:p>
+          <a:p>
+            <a:r>
+              <a:rPr lang="en-US" dirty="0"/>
+              <a:t>Forecast water shortages by noting things like farms dams are slowly depleting </a:t>
+            </a:r>
+          </a:p>
+          <a:p>
+            <a:r>
+              <a:rPr lang="en-US" dirty="0"/>
+              <a:t>Track local trends in water usage</a:t>
             </a:r>
           </a:p>
         </p:txBody>
